--- a/スライド/実験４_1121.pptx
+++ b/スライド/実験４_1121.pptx
@@ -13797,11 +13797,7 @@
           <a:p>
             <a:r>
               <a:rPr kumimoji="1" lang="ja-JP" altLang="en-US" sz="3600" dirty="0" smtClean="0"/>
-              <a:t>チュートリアルムービー</a:t>
-            </a:r>
-            <a:r>
-              <a:rPr kumimoji="1" lang="ja-JP" altLang="en-US" sz="3600" dirty="0" smtClean="0"/>
-              <a:t>絵</a:t>
+              <a:t>チュートリアルムービー絵</a:t>
             </a:r>
             <a:r>
               <a:rPr lang="ja-JP" altLang="en-US" sz="3600" dirty="0" smtClean="0"/>
@@ -13818,7 +13814,6 @@
               <a:rPr kumimoji="1" lang="en-US" altLang="ja-JP" sz="3600" dirty="0" smtClean="0"/>
               <a:t>(10%)</a:t>
             </a:r>
-            <a:endParaRPr kumimoji="1" lang="en-US" altLang="ja-JP" sz="3600" dirty="0" smtClean="0"/>
           </a:p>
           <a:p>
             <a:r>
@@ -13826,20 +13821,20 @@
               <a:t>トイレっ</a:t>
             </a:r>
             <a:r>
-              <a:rPr kumimoji="1" lang="ja-JP" altLang="en-US" sz="3600" dirty="0" smtClean="0"/>
+              <a:rPr kumimoji="1" lang="ja-JP" altLang="en-US" sz="3600" smtClean="0"/>
               <a:t>島</a:t>
             </a:r>
             <a:r>
-              <a:rPr lang="ja-JP" altLang="en-US" sz="3600" dirty="0" smtClean="0"/>
+              <a:rPr lang="ja-JP" altLang="en-US" sz="3600" smtClean="0"/>
               <a:t>ゴール</a:t>
             </a:r>
             <a:r>
-              <a:rPr kumimoji="1" lang="ja-JP" altLang="en-US" sz="3600" dirty="0" smtClean="0"/>
+              <a:rPr kumimoji="1" lang="ja-JP" altLang="en-US" sz="3600" smtClean="0"/>
               <a:t>ムービー</a:t>
             </a:r>
             <a:r>
-              <a:rPr kumimoji="1" lang="en-US" altLang="ja-JP" sz="3600" dirty="0" smtClean="0"/>
-              <a:t>(60%)</a:t>
+              <a:rPr lang="ja-JP" altLang="en-US" sz="3600" smtClean="0"/>
+              <a:t>完成</a:t>
             </a:r>
             <a:endParaRPr kumimoji="1" lang="en-US" altLang="ja-JP" sz="3600" dirty="0" smtClean="0"/>
           </a:p>
@@ -13944,30 +13939,14 @@
           <a:p>
             <a:r>
               <a:rPr lang="ja-JP" altLang="en-US" sz="3600" dirty="0" smtClean="0"/>
-              <a:t>プログラム・・</a:t>
-            </a:r>
+              <a:t>プログラム・・・９８％</a:t>
+            </a:r>
+            <a:endParaRPr lang="en-US" altLang="ja-JP" sz="3600" dirty="0" smtClean="0"/>
+          </a:p>
+          <a:p>
             <a:r>
               <a:rPr lang="ja-JP" altLang="en-US" sz="3600" dirty="0" smtClean="0"/>
-              <a:t>・９８％</a:t>
-            </a:r>
-            <a:endParaRPr lang="en-US" altLang="ja-JP" sz="3600" dirty="0" smtClean="0"/>
-          </a:p>
-          <a:p>
-            <a:r>
-              <a:rPr lang="ja-JP" altLang="en-US" sz="3600" dirty="0" smtClean="0"/>
-              <a:t>イラスト・・</a:t>
-            </a:r>
-            <a:r>
-              <a:rPr lang="ja-JP" altLang="en-US" sz="3600" dirty="0" smtClean="0"/>
-              <a:t>・</a:t>
-            </a:r>
-            <a:r>
-              <a:rPr lang="ja-JP" altLang="en-US" sz="3600" dirty="0" smtClean="0"/>
-              <a:t>４５</a:t>
-            </a:r>
-            <a:r>
-              <a:rPr lang="ja-JP" altLang="en-US" sz="3600" dirty="0" smtClean="0"/>
-              <a:t>％</a:t>
+              <a:t>イラスト・・・４５％</a:t>
             </a:r>
             <a:endParaRPr lang="ja-JP" altLang="en-US" sz="3600" dirty="0"/>
           </a:p>

--- a/スライド/実験４_1121.pptx
+++ b/スライド/実験４_1121.pptx
@@ -13818,34 +13818,38 @@
           <a:p>
             <a:r>
               <a:rPr kumimoji="1" lang="ja-JP" altLang="en-US" sz="3600" dirty="0" smtClean="0"/>
-              <a:t>トイレっ</a:t>
-            </a:r>
-            <a:r>
-              <a:rPr kumimoji="1" lang="ja-JP" altLang="en-US" sz="3600" smtClean="0"/>
-              <a:t>島</a:t>
+              <a:t>トイレっ島</a:t>
+            </a:r>
+            <a:r>
+              <a:rPr lang="ja-JP" altLang="en-US" sz="3600" dirty="0" smtClean="0"/>
+              <a:t>ゴール</a:t>
+            </a:r>
+            <a:r>
+              <a:rPr kumimoji="1" lang="ja-JP" altLang="en-US" sz="3600" dirty="0" smtClean="0"/>
+              <a:t>ムービー</a:t>
+            </a:r>
+            <a:r>
+              <a:rPr lang="ja-JP" altLang="en-US" sz="3600" dirty="0" smtClean="0"/>
+              <a:t>完成</a:t>
+            </a:r>
+            <a:endParaRPr kumimoji="1" lang="en-US" altLang="ja-JP" sz="3600" dirty="0" smtClean="0"/>
+          </a:p>
+          <a:p>
+            <a:r>
+              <a:rPr lang="ja-JP" altLang="en-US" sz="3600" dirty="0" smtClean="0"/>
+              <a:t>こんぺい島</a:t>
             </a:r>
             <a:r>
               <a:rPr lang="ja-JP" altLang="en-US" sz="3600" smtClean="0"/>
-              <a:t>ゴール</a:t>
-            </a:r>
-            <a:r>
-              <a:rPr kumimoji="1" lang="ja-JP" altLang="en-US" sz="3600" smtClean="0"/>
+              <a:t>開始</a:t>
+            </a:r>
+            <a:r>
+              <a:rPr lang="ja-JP" altLang="en-US" sz="3600" smtClean="0"/>
               <a:t>ムービー</a:t>
             </a:r>
             <a:r>
               <a:rPr lang="ja-JP" altLang="en-US" sz="3600" smtClean="0"/>
               <a:t>完成</a:t>
-            </a:r>
-            <a:endParaRPr kumimoji="1" lang="en-US" altLang="ja-JP" sz="3600" dirty="0" smtClean="0"/>
-          </a:p>
-          <a:p>
-            <a:r>
-              <a:rPr lang="ja-JP" altLang="en-US" sz="3600" dirty="0" smtClean="0"/>
-              <a:t>こんぺい島開始ムービー</a:t>
-            </a:r>
-            <a:r>
-              <a:rPr lang="en-US" altLang="ja-JP" sz="3600" dirty="0" smtClean="0"/>
-              <a:t>(60%)</a:t>
             </a:r>
             <a:endParaRPr kumimoji="1" lang="ja-JP" altLang="en-US" sz="3600" dirty="0"/>
           </a:p>
